--- a/코드리뷰_yuna.pptx
+++ b/코드리뷰_yuna.pptx
@@ -4908,7 +4908,7 @@
         </p:nvSpPr>
         <p:spPr>
           <a:xfrm rot="14938061">
-            <a:off x="7798777" y="4024213"/>
+            <a:off x="7529451" y="3970975"/>
             <a:ext cx="688932" cy="764087"/>
           </a:xfrm>
           <a:prstGeom prst="downArrow">

--- a/코드리뷰_yuna.pptx
+++ b/코드리뷰_yuna.pptx
@@ -4216,7 +4216,6 @@
           <a:bodyPr rtlCol="0" anchor="ctr"/>
           <a:lstStyle/>
           <a:p>
-            <a:pPr algn="ctr"/>
             <a:r>
               <a:rPr lang="en-US" altLang="ko-KR" sz="1400" b="1" dirty="0" err="1" smtClean="0">
                 <a:ln w="0"/>
@@ -4362,6 +4361,70 @@
               <a:t>보다 큰 요소를 선택하여 </a:t>
             </a:r>
             <a:r>
+              <a:rPr lang="en-US" altLang="ko-KR" sz="1400" b="1" smtClean="0">
+                <a:ln w="0"/>
+                <a:solidFill>
+                  <a:schemeClr val="tx1"/>
+                </a:solidFill>
+                <a:effectLst>
+                  <a:outerShdw blurRad="38100" dist="19050" dir="2700000" algn="tl" rotWithShape="0">
+                    <a:schemeClr val="dk1">
+                      <a:alpha val="40000"/>
+                    </a:schemeClr>
+                  </a:outerShdw>
+                </a:effectLst>
+              </a:rPr>
+              <a:t>hide</a:t>
+            </a:r>
+            <a:r>
+              <a:rPr lang="en-US" altLang="ko-KR" sz="1400" b="1" smtClean="0">
+                <a:ln w="0"/>
+                <a:solidFill>
+                  <a:schemeClr val="tx1"/>
+                </a:solidFill>
+                <a:effectLst>
+                  <a:outerShdw blurRad="38100" dist="19050" dir="2700000" algn="tl" rotWithShape="0">
+                    <a:schemeClr val="dk1">
+                      <a:alpha val="40000"/>
+                    </a:schemeClr>
+                  </a:outerShdw>
+                </a:effectLst>
+              </a:rPr>
+              <a:t>()</a:t>
+            </a:r>
+            <a:r>
+              <a:rPr lang="ko-KR" altLang="en-US" sz="1400" b="1" smtClean="0">
+                <a:ln w="0"/>
+                <a:solidFill>
+                  <a:schemeClr val="tx1"/>
+                </a:solidFill>
+                <a:effectLst>
+                  <a:outerShdw blurRad="38100" dist="19050" dir="2700000" algn="tl" rotWithShape="0">
+                    <a:schemeClr val="dk1">
+                      <a:alpha val="40000"/>
+                    </a:schemeClr>
+                  </a:outerShdw>
+                </a:effectLst>
+              </a:rPr>
+              <a:t>로 </a:t>
+            </a:r>
+            <a:r>
+              <a:rPr lang="ko-KR" altLang="en-US" sz="1400" b="1" dirty="0" smtClean="0">
+                <a:ln w="0"/>
+                <a:solidFill>
+                  <a:schemeClr val="tx1"/>
+                </a:solidFill>
+                <a:effectLst>
+                  <a:outerShdw blurRad="38100" dist="19050" dir="2700000" algn="tl" rotWithShape="0">
+                    <a:schemeClr val="dk1">
+                      <a:alpha val="40000"/>
+                    </a:schemeClr>
+                  </a:outerShdw>
+                </a:effectLst>
+              </a:rPr>
+              <a:t>요소를 사라지게 합니다</a:t>
+            </a:r>
+            <a:r>
               <a:rPr lang="en-US" altLang="ko-KR" sz="1400" b="1" dirty="0" smtClean="0">
                 <a:ln w="0"/>
                 <a:solidFill>
@@ -4375,43 +4438,10 @@
                   </a:outerShdw>
                 </a:effectLst>
               </a:rPr>
-              <a:t>hide() </a:t>
-            </a:r>
-            <a:r>
-              <a:rPr lang="ko-KR" altLang="en-US" sz="1400" b="1" dirty="0" smtClean="0">
-                <a:ln w="0"/>
-                <a:solidFill>
-                  <a:schemeClr val="tx1"/>
-                </a:solidFill>
-                <a:effectLst>
-                  <a:outerShdw blurRad="38100" dist="19050" dir="2700000" algn="tl" rotWithShape="0">
-                    <a:schemeClr val="dk1">
-                      <a:alpha val="40000"/>
-                    </a:schemeClr>
-                  </a:outerShdw>
-                </a:effectLst>
-              </a:rPr>
-              <a:t>로 요소를 사라지게 합니다</a:t>
-            </a:r>
-            <a:r>
-              <a:rPr lang="en-US" altLang="ko-KR" sz="1400" b="1" dirty="0" smtClean="0">
-                <a:ln w="0"/>
-                <a:solidFill>
-                  <a:schemeClr val="tx1"/>
-                </a:solidFill>
-                <a:effectLst>
-                  <a:outerShdw blurRad="38100" dist="19050" dir="2700000" algn="tl" rotWithShape="0">
-                    <a:schemeClr val="dk1">
-                      <a:alpha val="40000"/>
-                    </a:schemeClr>
-                  </a:outerShdw>
-                </a:effectLst>
-              </a:rPr>
               <a:t>.</a:t>
             </a:r>
           </a:p>
           <a:p>
-            <a:pPr algn="ctr"/>
             <a:r>
               <a:rPr lang="en-US" altLang="ko-KR" sz="1400" b="1" dirty="0" smtClean="0">
                 <a:ln w="0"/>
